--- a/최종발표PPT2.pptx
+++ b/최종발표PPT2.pptx
@@ -2,7 +2,7 @@
 <file path=ppt/presentation.xml><?xml version="1.0" encoding="utf-8"?>
 <p:presentation xmlns:r="http://schemas.openxmlformats.org/officeDocument/2006/relationships" xmlns:c="http://schemas.openxmlformats.org/drawingml/2006/chart" xmlns:a="http://schemas.openxmlformats.org/drawingml/2006/main" xmlns:dgm="http://schemas.openxmlformats.org/drawingml/2006/diagram" xmlns:dsp="http://schemas.microsoft.com/office/drawing/2008/diagram" xmlns:p="http://schemas.openxmlformats.org/presentationml/2006/main">
   <p:sldMasterIdLst>
-    <p:sldMasterId id="2147483663" r:id="rId1"/>
+    <p:sldMasterId id="2147483666" r:id="rId1"/>
   </p:sldMasterIdLst>
   <p:sldIdLst>
     <p:sldId id="256" r:id="rId2"/>
@@ -21,6 +21,8 @@
     <p:sldId id="269" r:id="rId15"/>
     <p:sldId id="270" r:id="rId16"/>
     <p:sldId id="271" r:id="rId17"/>
+    <p:sldId id="272" r:id="rId18"/>
+    <p:sldId id="273" r:id="rId19"/>
   </p:sldIdLst>
   <p:sldSz cx="12192000" cy="6858000"/>
   <p:notesSz cx="6858000" cy="9144000"/>
@@ -6807,6 +6809,221 @@
           <a:bodyPr/>
           <a:lstStyle/>
           <a:p>
+            <a:pPr lvl="0">
+              <a:defRPr/>
+            </a:pPr>
+            <a:r>
+              <a:rPr lang="ko-KR" altLang="en-US">
+                <a:ea typeface="맑은 고딕"/>
+              </a:rPr>
+              <a:t>문제점</a:t>
+            </a:r>
+            <a:endParaRPr lang="ko-KR" altLang="en-US">
+              <a:ea typeface="맑은 고딕"/>
+            </a:endParaRPr>
+          </a:p>
+        </p:txBody>
+      </p:sp>
+      <p:sp>
+        <p:nvSpPr>
+          <p:cNvPr id="3" name="내용 개체 틀 2"/>
+          <p:cNvSpPr>
+            <a:spLocks noGrp="1"/>
+          </p:cNvSpPr>
+          <p:nvPr>
+            <p:ph sz="half" idx="1"/>
+          </p:nvPr>
+        </p:nvSpPr>
+        <p:spPr>
+          <a:xfrm>
+            <a:off x="838200" y="1825625"/>
+            <a:ext cx="10554942" cy="4351338"/>
+          </a:xfrm>
+        </p:spPr>
+        <p:txBody>
+          <a:bodyPr/>
+          <a:lstStyle/>
+          <a:p>
+            <a:pPr lvl="0">
+              <a:defRPr/>
+            </a:pPr>
+            <a:r>
+              <a:rPr lang="ko-KR" altLang="en-US"/>
+              <a:t>그러나 정확도 </a:t>
+            </a:r>
+            <a:r>
+              <a:rPr lang="en-US" altLang="ko-KR"/>
+              <a:t>94</a:t>
+            </a:r>
+            <a:r>
+              <a:rPr lang="ko-KR" altLang="en-US"/>
+              <a:t>퍼센트에서 더이상 진전의 기미가 보이질 않음</a:t>
+            </a:r>
+            <a:endParaRPr lang="ko-KR" altLang="en-US"/>
+          </a:p>
+          <a:p>
+            <a:pPr lvl="0">
+              <a:defRPr/>
+            </a:pPr>
+            <a:endParaRPr lang="ko-KR" altLang="en-US"/>
+          </a:p>
+        </p:txBody>
+      </p:sp>
+    </p:spTree>
+  </p:cSld>
+  <p:clrMapOvr>
+    <a:masterClrMapping/>
+  </p:clrMapOvr>
+  <mc:AlternateContent xmlns:mc="http://schemas.openxmlformats.org/markup-compatibility/2006">
+    <mc:Choice xmlns:p14="http://schemas.microsoft.com/office/powerpoint/2010/main" Requires="p14">
+      <p:transition xmlns:mc="http://schemas.openxmlformats.org/markup-compatibility/2006" xmlns:p14="http://schemas.microsoft.com/office/powerpoint/2010/main" mc:Ignorable="p14" p14:dur="500"/>
+    </mc:Choice>
+    <mc:Fallback>
+      <p:transition/>
+    </mc:Fallback>
+  </mc:AlternateContent>
+</p:sld>
+</file>
+
+<file path=ppt/slides/slide11.xml><?xml version="1.0" encoding="utf-8"?>
+<p:sld xmlns:r="http://schemas.openxmlformats.org/officeDocument/2006/relationships" xmlns:c="http://schemas.openxmlformats.org/drawingml/2006/chart" xmlns:a="http://schemas.openxmlformats.org/drawingml/2006/main" xmlns:dgm="http://schemas.openxmlformats.org/drawingml/2006/diagram" xmlns:dsp="http://schemas.microsoft.com/office/drawing/2008/diagram" xmlns:p="http://schemas.openxmlformats.org/presentationml/2006/main">
+  <p:cSld>
+    <p:spTree>
+      <p:nvGrpSpPr>
+        <p:cNvPr id="1" name=""/>
+        <p:cNvGrpSpPr/>
+        <p:nvPr/>
+      </p:nvGrpSpPr>
+      <p:grpSpPr>
+        <a:xfrm>
+          <a:off x="0" y="0"/>
+          <a:ext cx="0" cy="0"/>
+          <a:chOff x="0" y="0"/>
+          <a:chExt cx="0" cy="0"/>
+        </a:xfrm>
+      </p:grpSpPr>
+      <p:sp>
+        <p:nvSpPr>
+          <p:cNvPr id="2" name="제목 1"/>
+          <p:cNvSpPr>
+            <a:spLocks noGrp="1"/>
+          </p:cNvSpPr>
+          <p:nvPr>
+            <p:ph type="title" idx="0"/>
+          </p:nvPr>
+        </p:nvSpPr>
+        <p:spPr/>
+        <p:txBody>
+          <a:bodyPr/>
+          <a:lstStyle/>
+          <a:p>
+            <a:pPr>
+              <a:defRPr/>
+            </a:pPr>
+            <a:r>
+              <a:rPr lang="ko-KR" altLang="en-US"/>
+              <a:t>의문</a:t>
+            </a:r>
+            <a:endParaRPr lang="ko-KR" altLang="en-US"/>
+          </a:p>
+        </p:txBody>
+      </p:sp>
+      <p:pic>
+        <p:nvPicPr>
+          <p:cNvPr id="7" name=""/>
+          <p:cNvPicPr>
+            <a:picLocks noChangeAspect="1"/>
+          </p:cNvPicPr>
+          <p:nvPr/>
+        </p:nvPicPr>
+        <p:blipFill rotWithShape="1">
+          <a:blip r:embed="rId2"/>
+          <a:stretch>
+            <a:fillRect/>
+          </a:stretch>
+        </p:blipFill>
+        <p:spPr>
+          <a:xfrm>
+            <a:off x="1524886" y="1663674"/>
+            <a:ext cx="3351602" cy="4545611"/>
+          </a:xfrm>
+          <a:prstGeom prst="rect">
+            <a:avLst/>
+          </a:prstGeom>
+        </p:spPr>
+      </p:pic>
+      <p:pic>
+        <p:nvPicPr>
+          <p:cNvPr id="8" name=""/>
+          <p:cNvPicPr>
+            <a:picLocks noChangeAspect="1"/>
+          </p:cNvPicPr>
+          <p:nvPr/>
+        </p:nvPicPr>
+        <p:blipFill rotWithShape="1">
+          <a:blip r:embed="rId3"/>
+          <a:stretch>
+            <a:fillRect/>
+          </a:stretch>
+        </p:blipFill>
+        <p:spPr>
+          <a:xfrm>
+            <a:off x="6594735" y="2276398"/>
+            <a:ext cx="3530808" cy="3365301"/>
+          </a:xfrm>
+          <a:prstGeom prst="rect">
+            <a:avLst/>
+          </a:prstGeom>
+        </p:spPr>
+      </p:pic>
+    </p:spTree>
+  </p:cSld>
+  <p:clrMapOvr>
+    <a:masterClrMapping/>
+  </p:clrMapOvr>
+  <mc:AlternateContent xmlns:mc="http://schemas.openxmlformats.org/markup-compatibility/2006">
+    <mc:Choice xmlns:p14="http://schemas.microsoft.com/office/powerpoint/2010/main" Requires="p14">
+      <p:transition xmlns:mc="http://schemas.openxmlformats.org/markup-compatibility/2006" xmlns:p14="http://schemas.microsoft.com/office/powerpoint/2010/main" mc:Ignorable="p14" p14:dur="500"/>
+    </mc:Choice>
+    <mc:Fallback>
+      <p:transition/>
+    </mc:Fallback>
+  </mc:AlternateContent>
+</p:sld>
+</file>
+
+<file path=ppt/slides/slide12.xml><?xml version="1.0" encoding="utf-8"?>
+<p:sld xmlns:r="http://schemas.openxmlformats.org/officeDocument/2006/relationships" xmlns:c="http://schemas.openxmlformats.org/drawingml/2006/chart" xmlns:a="http://schemas.openxmlformats.org/drawingml/2006/main" xmlns:dgm="http://schemas.openxmlformats.org/drawingml/2006/diagram" xmlns:dsp="http://schemas.microsoft.com/office/drawing/2008/diagram" xmlns:p="http://schemas.openxmlformats.org/presentationml/2006/main">
+  <p:cSld>
+    <p:spTree>
+      <p:nvGrpSpPr>
+        <p:cNvPr id="1" name=""/>
+        <p:cNvGrpSpPr/>
+        <p:nvPr/>
+      </p:nvGrpSpPr>
+      <p:grpSpPr>
+        <a:xfrm>
+          <a:off x="0" y="0"/>
+          <a:ext cx="0" cy="0"/>
+          <a:chOff x="0" y="0"/>
+          <a:chExt cx="0" cy="0"/>
+        </a:xfrm>
+      </p:grpSpPr>
+      <p:sp>
+        <p:nvSpPr>
+          <p:cNvPr id="2" name="제목 1"/>
+          <p:cNvSpPr>
+            <a:spLocks noGrp="1"/>
+          </p:cNvSpPr>
+          <p:nvPr>
+            <p:ph type="title" idx="0"/>
+          </p:nvPr>
+        </p:nvSpPr>
+        <p:spPr/>
+        <p:txBody>
+          <a:bodyPr/>
+          <a:lstStyle/>
+          <a:p>
             <a:pPr>
               <a:defRPr/>
             </a:pPr>
@@ -6886,7 +7103,7 @@
 </p:sld>
 </file>
 
-<file path=ppt/slides/slide11.xml><?xml version="1.0" encoding="utf-8"?>
+<file path=ppt/slides/slide13.xml><?xml version="1.0" encoding="utf-8"?>
 <p:sld xmlns:r="http://schemas.openxmlformats.org/officeDocument/2006/relationships" xmlns:c="http://schemas.openxmlformats.org/drawingml/2006/chart" xmlns:a="http://schemas.openxmlformats.org/drawingml/2006/main" xmlns:dgm="http://schemas.openxmlformats.org/drawingml/2006/diagram" xmlns:dsp="http://schemas.microsoft.com/office/drawing/2008/diagram" xmlns:p="http://schemas.openxmlformats.org/presentationml/2006/main">
   <p:cSld>
     <p:spTree>
@@ -7001,7 +7218,7 @@
 </p:sld>
 </file>
 
-<file path=ppt/slides/slide12.xml><?xml version="1.0" encoding="utf-8"?>
+<file path=ppt/slides/slide14.xml><?xml version="1.0" encoding="utf-8"?>
 <p:sld xmlns:r="http://schemas.openxmlformats.org/officeDocument/2006/relationships" xmlns:c="http://schemas.openxmlformats.org/drawingml/2006/chart" xmlns:a="http://schemas.openxmlformats.org/drawingml/2006/main" xmlns:dgm="http://schemas.openxmlformats.org/drawingml/2006/diagram" xmlns:dsp="http://schemas.microsoft.com/office/drawing/2008/diagram" xmlns:p="http://schemas.openxmlformats.org/presentationml/2006/main">
   <p:cSld>
     <p:spTree>
@@ -7140,7 +7357,7 @@
 </p:sld>
 </file>
 
-<file path=ppt/slides/slide13.xml><?xml version="1.0" encoding="utf-8"?>
+<file path=ppt/slides/slide15.xml><?xml version="1.0" encoding="utf-8"?>
 <p:sld xmlns:r="http://schemas.openxmlformats.org/officeDocument/2006/relationships" xmlns:c="http://schemas.openxmlformats.org/drawingml/2006/chart" xmlns:a="http://schemas.openxmlformats.org/drawingml/2006/main" xmlns:dgm="http://schemas.openxmlformats.org/drawingml/2006/diagram" xmlns:dsp="http://schemas.microsoft.com/office/drawing/2008/diagram" xmlns:p="http://schemas.openxmlformats.org/presentationml/2006/main">
   <p:cSld>
     <p:spTree>
@@ -7312,72 +7529,6 @@
             </a:endParaRPr>
           </a:p>
           <a:p>
-            <a:pPr marL="0" indent="0" algn="l" defTabSz="914400" rtl="0" eaLnBrk="1" latinLnBrk="1" hangingPunct="1">
-              <a:lnSpc>
-                <a:spcPct val="100000"/>
-              </a:lnSpc>
-              <a:spcBef>
-                <a:spcPct val="0"/>
-              </a:spcBef>
-              <a:spcAft>
-                <a:spcPts val="0"/>
-              </a:spcAft>
-              <a:buFont typeface="Arial"/>
-              <a:buNone/>
-              <a:defRPr/>
-            </a:pPr>
-            <a:r>
-              <a:rPr xmlns:mc="http://schemas.openxmlformats.org/markup-compatibility/2006" xmlns:hp="http://schemas.haansoft.com/office/presentation/8.0" kumimoji="0" lang="en-US" altLang="ko-KR" sz="2000" b="0" i="0" u="none" strike="noStrike" kern="1200" cap="none" spc="0" normalizeH="0" baseline="0" mc:Ignorable="hp" hp:hslEmbossed="0">
-                <a:solidFill>
-                  <a:srgbClr val="69d8ad"/>
-                </a:solidFill>
-                <a:latin typeface="맑은 고딕"/>
-                <a:ea typeface="맑은 고딕"/>
-              </a:rPr>
-              <a:t>32</a:t>
-            </a:r>
-            <a:endParaRPr xmlns:mc="http://schemas.openxmlformats.org/markup-compatibility/2006" xmlns:hp="http://schemas.haansoft.com/office/presentation/8.0" kumimoji="0" lang="en-US" altLang="ko-KR" sz="2000" b="0" i="0" u="none" strike="noStrike" kern="1200" cap="none" spc="0" normalizeH="0" baseline="0" mc:Ignorable="hp" hp:hslEmbossed="0">
-              <a:solidFill>
-                <a:srgbClr val="69d8ad"/>
-              </a:solidFill>
-              <a:latin typeface="맑은 고딕"/>
-              <a:ea typeface="맑은 고딕"/>
-            </a:endParaRPr>
-          </a:p>
-          <a:p>
-            <a:pPr marL="0" indent="0" algn="l" defTabSz="914400" rtl="0" eaLnBrk="1" latinLnBrk="1" hangingPunct="1">
-              <a:lnSpc>
-                <a:spcPct val="100000"/>
-              </a:lnSpc>
-              <a:spcBef>
-                <a:spcPct val="0"/>
-              </a:spcBef>
-              <a:spcAft>
-                <a:spcPts val="0"/>
-              </a:spcAft>
-              <a:buFont typeface="Arial"/>
-              <a:buNone/>
-              <a:defRPr/>
-            </a:pPr>
-            <a:r>
-              <a:rPr xmlns:mc="http://schemas.openxmlformats.org/markup-compatibility/2006" xmlns:hp="http://schemas.haansoft.com/office/presentation/8.0" kumimoji="0" lang="en-US" altLang="ko-KR" sz="2000" b="0" i="0" u="none" strike="noStrike" kern="1200" cap="none" spc="0" normalizeH="0" baseline="0" mc:Ignorable="hp" hp:hslEmbossed="0">
-                <a:solidFill>
-                  <a:srgbClr val="69d8ad"/>
-                </a:solidFill>
-                <a:latin typeface="맑은 고딕"/>
-                <a:ea typeface="맑은 고딕"/>
-              </a:rPr>
-              <a:t>16</a:t>
-            </a:r>
-            <a:endParaRPr xmlns:mc="http://schemas.openxmlformats.org/markup-compatibility/2006" xmlns:hp="http://schemas.haansoft.com/office/presentation/8.0" kumimoji="0" lang="en-US" altLang="ko-KR" sz="2000" b="0" i="0" u="none" strike="noStrike" kern="1200" cap="none" spc="0" normalizeH="0" baseline="0" mc:Ignorable="hp" hp:hslEmbossed="0">
-              <a:solidFill>
-                <a:srgbClr val="69d8ad"/>
-              </a:solidFill>
-              <a:latin typeface="맑은 고딕"/>
-              <a:ea typeface="맑은 고딕"/>
-            </a:endParaRPr>
-          </a:p>
-          <a:p>
             <a:pPr marL="0" lvl="0" indent="0" algn="l" defTabSz="914400" rtl="0" eaLnBrk="1" latinLnBrk="1" hangingPunct="1">
               <a:lnSpc>
                 <a:spcPct val="100000"/>
@@ -7391,9 +7542,29 @@
               <a:buNone/>
               <a:defRPr/>
             </a:pPr>
-            <a:endParaRPr xmlns:mc="http://schemas.openxmlformats.org/markup-compatibility/2006" xmlns:hp="http://schemas.haansoft.com/office/presentation/8.0" kumimoji="0" lang="ko-KR" sz="2000" b="0" i="0" u="none" strike="noStrike" kern="1200" cap="none" spc="0" normalizeH="0" baseline="0" mc:Ignorable="hp" hp:hslEmbossed="0">
+            <a:r>
+              <a:rPr xmlns:mc="http://schemas.openxmlformats.org/markup-compatibility/2006" xmlns:hp="http://schemas.haansoft.com/office/presentation/8.0" kumimoji="0" lang="en-US" altLang="ko-KR" sz="2000" b="0" i="0" u="none" strike="noStrike" kern="1200" cap="none" spc="0" normalizeH="0" baseline="0" mc:Ignorable="hp" hp:hslEmbossed="0">
+                <a:solidFill>
+                  <a:srgbClr val="69d8ad"/>
+                </a:solidFill>
+                <a:latin typeface="맑은 고딕"/>
+                <a:ea typeface="맑은 고딕"/>
+              </a:rPr>
+              <a:t>TPU</a:t>
+            </a:r>
+            <a:r>
+              <a:rPr xmlns:mc="http://schemas.openxmlformats.org/markup-compatibility/2006" xmlns:hp="http://schemas.haansoft.com/office/presentation/8.0" kumimoji="0" lang="ko-KR" altLang="en-US" sz="2000" b="0" i="0" u="none" strike="noStrike" kern="1200" cap="none" spc="0" normalizeH="0" baseline="0" mc:Ignorable="hp" hp:hslEmbossed="0">
+                <a:solidFill>
+                  <a:srgbClr val="69d8ad"/>
+                </a:solidFill>
+                <a:latin typeface="맑은 고딕"/>
+                <a:ea typeface="맑은 고딕"/>
+              </a:rPr>
+              <a:t>상태에따른 바치사이즈</a:t>
+            </a:r>
+            <a:endParaRPr xmlns:mc="http://schemas.openxmlformats.org/markup-compatibility/2006" xmlns:hp="http://schemas.haansoft.com/office/presentation/8.0" kumimoji="0" lang="ko-KR" altLang="en-US" sz="2000" b="0" i="0" u="none" strike="noStrike" kern="1200" cap="none" spc="0" normalizeH="0" baseline="0" mc:Ignorable="hp" hp:hslEmbossed="0">
               <a:solidFill>
-                <a:srgbClr val="000000"/>
+                <a:srgbClr val="69d8ad"/>
               </a:solidFill>
               <a:latin typeface="맑은 고딕"/>
               <a:ea typeface="맑은 고딕"/>
@@ -8164,7 +8335,7 @@
         </p:nvSpPr>
         <p:spPr>
           <a:xfrm>
-            <a:off x="7055255" y="833867"/>
+            <a:off x="7396912" y="2304030"/>
             <a:ext cx="2926080" cy="4363844"/>
           </a:xfrm>
           <a:prstGeom prst="rect">
@@ -8320,6 +8491,128 @@
           </a:p>
         </p:txBody>
       </p:sp>
+      <p:sp>
+        <p:nvSpPr>
+          <p:cNvPr id="12" name="내용 개체 틀 2"/>
+          <p:cNvSpPr>
+            <a:spLocks noGrp="1"/>
+          </p:cNvSpPr>
+          <p:nvPr/>
+        </p:nvSpPr>
+        <p:spPr>
+          <a:xfrm>
+            <a:off x="3550733" y="2901098"/>
+            <a:ext cx="2926080" cy="4363844"/>
+          </a:xfrm>
+          <a:prstGeom prst="rect">
+            <a:avLst/>
+          </a:prstGeom>
+        </p:spPr>
+        <p:txBody>
+          <a:bodyPr vert="horz" lIns="91440" tIns="45720" rIns="91440" bIns="45720">
+            <a:normAutofit/>
+          </a:bodyPr>
+          <a:p>
+            <a:pPr marL="0" indent="0" algn="l" defTabSz="914400" rtl="0" eaLnBrk="1" latinLnBrk="1" hangingPunct="1">
+              <a:lnSpc>
+                <a:spcPct val="90000"/>
+              </a:lnSpc>
+              <a:spcBef>
+                <a:spcPts val="1000"/>
+              </a:spcBef>
+              <a:spcAft>
+                <a:spcPts val="0"/>
+              </a:spcAft>
+              <a:buFont typeface="Arial"/>
+              <a:buNone/>
+              <a:defRPr/>
+            </a:pPr>
+            <a:r>
+              <a:rPr xmlns:mc="http://schemas.openxmlformats.org/markup-compatibility/2006" xmlns:hp="http://schemas.haansoft.com/office/presentation/8.0" kumimoji="0" lang="ko-KR" altLang="en-US" sz="2000" b="0" i="0" u="none" strike="noStrike" kern="1200" cap="none" spc="0" normalizeH="0" baseline="0" mc:Ignorable="hp" hp:hslEmbossed="0">
+                <a:solidFill>
+                  <a:srgbClr val="000000"/>
+                </a:solidFill>
+                <a:latin typeface="맑은 고딕"/>
+                <a:ea typeface="맑은 고딕"/>
+              </a:rPr>
+              <a:t>이미지 사이즈</a:t>
+            </a:r>
+            <a:endParaRPr xmlns:mc="http://schemas.openxmlformats.org/markup-compatibility/2006" xmlns:hp="http://schemas.haansoft.com/office/presentation/8.0" kumimoji="0" lang="ko-KR" altLang="en-US" sz="2000" b="0" i="0" u="none" strike="noStrike" kern="1200" cap="none" spc="0" normalizeH="0" baseline="0" mc:Ignorable="hp" hp:hslEmbossed="0">
+              <a:solidFill>
+                <a:srgbClr val="000000"/>
+              </a:solidFill>
+              <a:latin typeface="맑은 고딕"/>
+              <a:ea typeface="맑은 고딕"/>
+            </a:endParaRPr>
+          </a:p>
+          <a:p>
+            <a:pPr marL="228600" indent="-228600" algn="l" defTabSz="914400" rtl="0" eaLnBrk="1" latinLnBrk="1" hangingPunct="1">
+              <a:lnSpc>
+                <a:spcPct val="90000"/>
+              </a:lnSpc>
+              <a:spcBef>
+                <a:spcPts val="1000"/>
+              </a:spcBef>
+              <a:spcAft>
+                <a:spcPts val="0"/>
+              </a:spcAft>
+              <a:buFont typeface="Arial"/>
+              <a:buChar char="•"/>
+              <a:defRPr/>
+            </a:pPr>
+            <a:r>
+              <a:rPr xmlns:mc="http://schemas.openxmlformats.org/markup-compatibility/2006" xmlns:hp="http://schemas.haansoft.com/office/presentation/8.0" kumimoji="0" lang="en-US" altLang="ko-KR" sz="2000" b="0" i="0" u="none" strike="noStrike" kern="1200" cap="none" spc="0" normalizeH="0" baseline="0" mc:Ignorable="hp" hp:hslEmbossed="0">
+                <a:solidFill>
+                  <a:srgbClr val="000000"/>
+                </a:solidFill>
+                <a:latin typeface="맑은 고딕"/>
+                <a:ea typeface="맑은 고딕"/>
+              </a:rPr>
+              <a:t>512x512</a:t>
+            </a:r>
+            <a:endParaRPr xmlns:mc="http://schemas.openxmlformats.org/markup-compatibility/2006" xmlns:hp="http://schemas.haansoft.com/office/presentation/8.0" kumimoji="0" lang="en-US" altLang="ko-KR" sz="2000" b="0" i="0" u="none" strike="noStrike" kern="1200" cap="none" spc="0" normalizeH="0" baseline="0" mc:Ignorable="hp" hp:hslEmbossed="0">
+              <a:solidFill>
+                <a:srgbClr val="000000"/>
+              </a:solidFill>
+              <a:latin typeface="맑은 고딕"/>
+              <a:ea typeface="맑은 고딕"/>
+            </a:endParaRPr>
+          </a:p>
+          <a:p>
+            <a:pPr marL="228600" indent="-228600" algn="l" defTabSz="914400" rtl="0" eaLnBrk="1" latinLnBrk="1" hangingPunct="1">
+              <a:lnSpc>
+                <a:spcPct val="90000"/>
+              </a:lnSpc>
+              <a:spcBef>
+                <a:spcPts val="1000"/>
+              </a:spcBef>
+              <a:spcAft>
+                <a:spcPts val="0"/>
+              </a:spcAft>
+              <a:buFont typeface="Arial"/>
+              <a:buChar char="•"/>
+              <a:defRPr/>
+            </a:pPr>
+            <a:r>
+              <a:rPr xmlns:mc="http://schemas.openxmlformats.org/markup-compatibility/2006" xmlns:hp="http://schemas.haansoft.com/office/presentation/8.0" kumimoji="0" lang="en-US" altLang="ko-KR" sz="2000" b="0" i="0" u="none" strike="noStrike" kern="1200" cap="none" spc="0" normalizeH="0" baseline="0" mc:Ignorable="hp" hp:hslEmbossed="0">
+                <a:solidFill>
+                  <a:srgbClr val="000000"/>
+                </a:solidFill>
+                <a:latin typeface="맑은 고딕"/>
+                <a:ea typeface="맑은 고딕"/>
+              </a:rPr>
+              <a:t>512x341</a:t>
+            </a:r>
+            <a:endParaRPr xmlns:mc="http://schemas.openxmlformats.org/markup-compatibility/2006" xmlns:hp="http://schemas.haansoft.com/office/presentation/8.0" kumimoji="0" lang="en-US" altLang="ko-KR" sz="2000" b="0" i="0" u="none" strike="noStrike" kern="1200" cap="none" spc="0" normalizeH="0" baseline="0" mc:Ignorable="hp" hp:hslEmbossed="0">
+              <a:solidFill>
+                <a:srgbClr val="000000"/>
+              </a:solidFill>
+              <a:latin typeface="맑은 고딕"/>
+              <a:ea typeface="맑은 고딕"/>
+            </a:endParaRPr>
+          </a:p>
+        </p:txBody>
+      </p:sp>
     </p:spTree>
   </p:cSld>
   <p:clrMapOvr>
@@ -8336,7 +8629,7 @@
 </p:sld>
 </file>
 
-<file path=ppt/slides/slide14.xml><?xml version="1.0" encoding="utf-8"?>
+<file path=ppt/slides/slide16.xml><?xml version="1.0" encoding="utf-8"?>
 <p:sld xmlns:r="http://schemas.openxmlformats.org/officeDocument/2006/relationships" xmlns:c="http://schemas.openxmlformats.org/drawingml/2006/chart" xmlns:a="http://schemas.openxmlformats.org/drawingml/2006/main" xmlns:dgm="http://schemas.openxmlformats.org/drawingml/2006/diagram" xmlns:dsp="http://schemas.microsoft.com/office/drawing/2008/diagram" xmlns:p="http://schemas.openxmlformats.org/presentationml/2006/main">
   <p:cSld>
     <p:spTree>
@@ -8447,7 +8740,7 @@
 </p:sld>
 </file>
 
-<file path=ppt/slides/slide15.xml><?xml version="1.0" encoding="utf-8"?>
+<file path=ppt/slides/slide17.xml><?xml version="1.0" encoding="utf-8"?>
 <p:sld xmlns:r="http://schemas.openxmlformats.org/officeDocument/2006/relationships" xmlns:c="http://schemas.openxmlformats.org/drawingml/2006/chart" xmlns:a="http://schemas.openxmlformats.org/drawingml/2006/main" xmlns:dgm="http://schemas.openxmlformats.org/drawingml/2006/diagram" xmlns:dsp="http://schemas.microsoft.com/office/drawing/2008/diagram" xmlns:p="http://schemas.openxmlformats.org/presentationml/2006/main">
   <p:cSld>
     <p:spTree>
@@ -8606,7 +8899,7 @@
 </p:sld>
 </file>
 
-<file path=ppt/slides/slide16.xml><?xml version="1.0" encoding="utf-8"?>
+<file path=ppt/slides/slide18.xml><?xml version="1.0" encoding="utf-8"?>
 <p:sld xmlns:a="http://schemas.openxmlformats.org/drawingml/2006/main" xmlns:r="http://schemas.openxmlformats.org/officeDocument/2006/relationships" xmlns:p="http://schemas.openxmlformats.org/presentationml/2006/main">
   <p:cSld>
     <p:bg>
@@ -20503,6 +20796,259 @@
 <file path=ppt/slides/slide4.xml><?xml version="1.0" encoding="utf-8"?>
 <p:sld xmlns:r="http://schemas.openxmlformats.org/officeDocument/2006/relationships" xmlns:c="http://schemas.openxmlformats.org/drawingml/2006/chart" xmlns:a="http://schemas.openxmlformats.org/drawingml/2006/main" xmlns:dgm="http://schemas.openxmlformats.org/drawingml/2006/diagram" xmlns:dsp="http://schemas.microsoft.com/office/drawing/2008/diagram" xmlns:p="http://schemas.openxmlformats.org/presentationml/2006/main">
   <p:cSld>
+    <p:spTree>
+      <p:nvGrpSpPr>
+        <p:cNvPr id="1" name=""/>
+        <p:cNvGrpSpPr/>
+        <p:nvPr/>
+      </p:nvGrpSpPr>
+      <p:grpSpPr>
+        <a:xfrm>
+          <a:off x="0" y="0"/>
+          <a:ext cx="0" cy="0"/>
+          <a:chOff x="0" y="0"/>
+          <a:chExt cx="0" cy="0"/>
+        </a:xfrm>
+      </p:grpSpPr>
+      <p:sp>
+        <p:nvSpPr>
+          <p:cNvPr id="2" name="제목 1"/>
+          <p:cNvSpPr>
+            <a:spLocks noGrp="1"/>
+          </p:cNvSpPr>
+          <p:nvPr>
+            <p:ph type="title" idx="0"/>
+          </p:nvPr>
+        </p:nvSpPr>
+        <p:spPr/>
+        <p:txBody>
+          <a:bodyPr/>
+          <a:lstStyle/>
+          <a:p>
+            <a:pPr>
+              <a:defRPr/>
+            </a:pPr>
+            <a:r>
+              <a:rPr lang="en-US" altLang="ko-KR"/>
+              <a:t>ResNet2?</a:t>
+            </a:r>
+            <a:endParaRPr lang="en-US" altLang="ko-KR"/>
+          </a:p>
+        </p:txBody>
+      </p:sp>
+      <p:sp>
+        <p:nvSpPr>
+          <p:cNvPr id="3" name="내용 개체 틀 2"/>
+          <p:cNvSpPr>
+            <a:spLocks noGrp="1"/>
+          </p:cNvSpPr>
+          <p:nvPr>
+            <p:ph idx="1"/>
+          </p:nvPr>
+        </p:nvSpPr>
+        <p:spPr/>
+        <p:txBody>
+          <a:bodyPr/>
+          <a:lstStyle/>
+          <a:p>
+            <a:pPr>
+              <a:defRPr/>
+            </a:pPr>
+            <a:r>
+              <a:rPr lang="ko-KR" altLang="en-US"/>
+              <a:t/>
+            </a:r>
+            <a:endParaRPr lang="ko-KR" altLang="en-US"/>
+          </a:p>
+        </p:txBody>
+      </p:sp>
+      <p:pic>
+        <p:nvPicPr>
+          <p:cNvPr id="4" name=""/>
+          <p:cNvPicPr>
+            <a:picLocks noChangeAspect="1"/>
+          </p:cNvPicPr>
+          <p:nvPr/>
+        </p:nvPicPr>
+        <p:blipFill rotWithShape="1">
+          <a:blip r:embed="rId2"/>
+          <a:stretch>
+            <a:fillRect/>
+          </a:stretch>
+        </p:blipFill>
+        <p:spPr>
+          <a:xfrm>
+            <a:off x="2952750" y="1973580"/>
+            <a:ext cx="6286500" cy="2910840"/>
+          </a:xfrm>
+          <a:prstGeom prst="rect">
+            <a:avLst/>
+          </a:prstGeom>
+        </p:spPr>
+      </p:pic>
+    </p:spTree>
+  </p:cSld>
+  <p:clrMapOvr>
+    <a:masterClrMapping/>
+  </p:clrMapOvr>
+  <mc:AlternateContent xmlns:mc="http://schemas.openxmlformats.org/markup-compatibility/2006">
+    <mc:Choice xmlns:p14="http://schemas.microsoft.com/office/powerpoint/2010/main" Requires="p14">
+      <p:transition xmlns:mc="http://schemas.openxmlformats.org/markup-compatibility/2006" xmlns:p14="http://schemas.microsoft.com/office/powerpoint/2010/main" mc:Ignorable="p14" p14:dur="500"/>
+    </mc:Choice>
+    <mc:Fallback>
+      <p:transition/>
+    </mc:Fallback>
+  </mc:AlternateContent>
+</p:sld>
+</file>
+
+<file path=ppt/slides/slide5.xml><?xml version="1.0" encoding="utf-8"?>
+<p:sld xmlns:r="http://schemas.openxmlformats.org/officeDocument/2006/relationships" xmlns:c="http://schemas.openxmlformats.org/drawingml/2006/chart" xmlns:a="http://schemas.openxmlformats.org/drawingml/2006/main" xmlns:dgm="http://schemas.openxmlformats.org/drawingml/2006/diagram" xmlns:dsp="http://schemas.microsoft.com/office/drawing/2008/diagram" xmlns:p="http://schemas.openxmlformats.org/presentationml/2006/main">
+  <p:cSld>
+    <p:spTree>
+      <p:nvGrpSpPr>
+        <p:cNvPr id="1" name=""/>
+        <p:cNvGrpSpPr/>
+        <p:nvPr/>
+      </p:nvGrpSpPr>
+      <p:grpSpPr>
+        <a:xfrm>
+          <a:off x="0" y="0"/>
+          <a:ext cx="0" cy="0"/>
+          <a:chOff x="0" y="0"/>
+          <a:chExt cx="0" cy="0"/>
+        </a:xfrm>
+      </p:grpSpPr>
+      <p:sp>
+        <p:nvSpPr>
+          <p:cNvPr id="2" name="제목 1"/>
+          <p:cNvSpPr>
+            <a:spLocks noGrp="1"/>
+          </p:cNvSpPr>
+          <p:nvPr>
+            <p:ph type="title" idx="0"/>
+          </p:nvPr>
+        </p:nvSpPr>
+        <p:spPr/>
+        <p:txBody>
+          <a:bodyPr/>
+          <a:lstStyle/>
+          <a:p>
+            <a:pPr>
+              <a:defRPr/>
+            </a:pPr>
+            <a:r>
+              <a:rPr lang="en-US" altLang="ko-KR"/>
+              <a:t>epoch </a:t>
+            </a:r>
+            <a:r>
+              <a:rPr lang="ko-KR" altLang="en-US"/>
+              <a:t>설정</a:t>
+            </a:r>
+            <a:endParaRPr lang="ko-KR" altLang="en-US"/>
+          </a:p>
+        </p:txBody>
+      </p:sp>
+      <p:sp>
+        <p:nvSpPr>
+          <p:cNvPr id="3" name="내용 개체 틀 2"/>
+          <p:cNvSpPr>
+            <a:spLocks noGrp="1"/>
+          </p:cNvSpPr>
+          <p:nvPr>
+            <p:ph idx="1"/>
+          </p:nvPr>
+        </p:nvSpPr>
+        <p:spPr/>
+        <p:txBody>
+          <a:bodyPr/>
+          <a:lstStyle/>
+          <a:p>
+            <a:pPr>
+              <a:defRPr/>
+            </a:pPr>
+            <a:r>
+              <a:rPr lang="ko-KR" altLang="en-US"/>
+              <a:t>전이학습에의 큰 이미지 데이터셋에 대해서는 충분한 학습이 필요</a:t>
+            </a:r>
+            <a:endParaRPr lang="ko-KR" altLang="en-US"/>
+          </a:p>
+        </p:txBody>
+      </p:sp>
+      <p:pic>
+        <p:nvPicPr>
+          <p:cNvPr id="4" name=""/>
+          <p:cNvPicPr>
+            <a:picLocks noChangeAspect="1"/>
+          </p:cNvPicPr>
+          <p:nvPr/>
+        </p:nvPicPr>
+        <p:blipFill rotWithShape="1">
+          <a:blip r:embed="rId2"/>
+          <a:stretch>
+            <a:fillRect/>
+          </a:stretch>
+        </p:blipFill>
+        <p:spPr>
+          <a:xfrm>
+            <a:off x="3501012" y="2439003"/>
+            <a:ext cx="4900084" cy="3284504"/>
+          </a:xfrm>
+          <a:prstGeom prst="rect">
+            <a:avLst/>
+          </a:prstGeom>
+        </p:spPr>
+      </p:pic>
+      <p:sp>
+        <p:nvSpPr>
+          <p:cNvPr id="5" name=""/>
+          <p:cNvSpPr txBox="1"/>
+          <p:nvPr/>
+        </p:nvSpPr>
+        <p:spPr>
+          <a:xfrm>
+            <a:off x="2152650" y="3110865"/>
+            <a:ext cx="7886700" cy="640080"/>
+          </a:xfrm>
+          <a:prstGeom prst="rect">
+            <a:avLst/>
+          </a:prstGeom>
+        </p:spPr>
+        <p:txBody>
+          <a:bodyPr wrap="square">
+            <a:spAutoFit/>
+          </a:bodyPr>
+          <a:p>
+            <a:pPr>
+              <a:defRPr/>
+            </a:pPr>
+            <a:r>
+              <a:rPr lang="en-US" altLang="en-US"/>
+              <a:t>https://www.ecva.net/papers/eccv_2020/papers_ECCV/papers/123500477.pdf</a:t>
+            </a:r>
+            <a:endParaRPr lang="en-US" altLang="en-US"/>
+          </a:p>
+        </p:txBody>
+      </p:sp>
+    </p:spTree>
+  </p:cSld>
+  <p:clrMapOvr>
+    <a:masterClrMapping/>
+  </p:clrMapOvr>
+  <mc:AlternateContent xmlns:mc="http://schemas.openxmlformats.org/markup-compatibility/2006">
+    <mc:Choice xmlns:p14="http://schemas.microsoft.com/office/powerpoint/2010/main" Requires="p14">
+      <p:transition xmlns:mc="http://schemas.openxmlformats.org/markup-compatibility/2006" xmlns:p14="http://schemas.microsoft.com/office/powerpoint/2010/main" mc:Ignorable="p14" p14:dur="500"/>
+    </mc:Choice>
+    <mc:Fallback>
+      <p:transition/>
+    </mc:Fallback>
+  </mc:AlternateContent>
+</p:sld>
+</file>
+
+<file path=ppt/slides/slide6.xml><?xml version="1.0" encoding="utf-8"?>
+<p:sld xmlns:r="http://schemas.openxmlformats.org/officeDocument/2006/relationships" xmlns:c="http://schemas.openxmlformats.org/drawingml/2006/chart" xmlns:a="http://schemas.openxmlformats.org/drawingml/2006/main" xmlns:dgm="http://schemas.openxmlformats.org/drawingml/2006/diagram" xmlns:dsp="http://schemas.microsoft.com/office/drawing/2008/diagram" xmlns:p="http://schemas.openxmlformats.org/presentationml/2006/main">
+  <p:cSld>
     <p:bg>
       <p:bgPr shadeToTitle="0">
         <a:solidFill>
@@ -21116,7 +21662,7 @@
 </p:sld>
 </file>
 
-<file path=ppt/slides/slide5.xml><?xml version="1.0" encoding="utf-8"?>
+<file path=ppt/slides/slide7.xml><?xml version="1.0" encoding="utf-8"?>
 <p:sld xmlns:r="http://schemas.openxmlformats.org/officeDocument/2006/relationships" xmlns:c="http://schemas.openxmlformats.org/drawingml/2006/chart" xmlns:a="http://schemas.openxmlformats.org/drawingml/2006/main" xmlns:dgm="http://schemas.openxmlformats.org/drawingml/2006/diagram" xmlns:dsp="http://schemas.microsoft.com/office/drawing/2008/diagram" xmlns:p="http://schemas.openxmlformats.org/presentationml/2006/main">
   <p:cSld>
     <p:bg>
@@ -21853,7 +22399,7 @@
 </p:sld>
 </file>
 
-<file path=ppt/slides/slide6.xml><?xml version="1.0" encoding="utf-8"?>
+<file path=ppt/slides/slide8.xml><?xml version="1.0" encoding="utf-8"?>
 <p:sld xmlns:r="http://schemas.openxmlformats.org/officeDocument/2006/relationships" xmlns:c="http://schemas.openxmlformats.org/drawingml/2006/chart" xmlns:a="http://schemas.openxmlformats.org/drawingml/2006/main" xmlns:dgm="http://schemas.openxmlformats.org/drawingml/2006/diagram" xmlns:dsp="http://schemas.microsoft.com/office/drawing/2008/diagram" xmlns:p="http://schemas.openxmlformats.org/presentationml/2006/main">
   <p:cSld>
     <p:spTree>
@@ -21968,7 +22514,7 @@
 </p:sld>
 </file>
 
-<file path=ppt/slides/slide7.xml><?xml version="1.0" encoding="utf-8"?>
+<file path=ppt/slides/slide9.xml><?xml version="1.0" encoding="utf-8"?>
 <p:sld xmlns:r="http://schemas.openxmlformats.org/officeDocument/2006/relationships" xmlns:c="http://schemas.openxmlformats.org/drawingml/2006/chart" xmlns:a="http://schemas.openxmlformats.org/drawingml/2006/main" xmlns:dgm="http://schemas.openxmlformats.org/drawingml/2006/diagram" xmlns:dsp="http://schemas.microsoft.com/office/drawing/2008/diagram" xmlns:p="http://schemas.openxmlformats.org/presentationml/2006/main">
   <p:cSld>
     <p:spTree>
@@ -22065,221 +22611,6 @@
           <a:xfrm>
             <a:off x="6172200" y="2970862"/>
             <a:ext cx="5181600" cy="2060863"/>
-          </a:xfrm>
-          <a:prstGeom prst="rect">
-            <a:avLst/>
-          </a:prstGeom>
-        </p:spPr>
-      </p:pic>
-    </p:spTree>
-  </p:cSld>
-  <p:clrMapOvr>
-    <a:masterClrMapping/>
-  </p:clrMapOvr>
-  <mc:AlternateContent xmlns:mc="http://schemas.openxmlformats.org/markup-compatibility/2006">
-    <mc:Choice xmlns:p14="http://schemas.microsoft.com/office/powerpoint/2010/main" Requires="p14">
-      <p:transition xmlns:mc="http://schemas.openxmlformats.org/markup-compatibility/2006" xmlns:p14="http://schemas.microsoft.com/office/powerpoint/2010/main" mc:Ignorable="p14" p14:dur="500"/>
-    </mc:Choice>
-    <mc:Fallback>
-      <p:transition/>
-    </mc:Fallback>
-  </mc:AlternateContent>
-</p:sld>
-</file>
-
-<file path=ppt/slides/slide8.xml><?xml version="1.0" encoding="utf-8"?>
-<p:sld xmlns:r="http://schemas.openxmlformats.org/officeDocument/2006/relationships" xmlns:c="http://schemas.openxmlformats.org/drawingml/2006/chart" xmlns:a="http://schemas.openxmlformats.org/drawingml/2006/main" xmlns:dgm="http://schemas.openxmlformats.org/drawingml/2006/diagram" xmlns:dsp="http://schemas.microsoft.com/office/drawing/2008/diagram" xmlns:p="http://schemas.openxmlformats.org/presentationml/2006/main">
-  <p:cSld>
-    <p:spTree>
-      <p:nvGrpSpPr>
-        <p:cNvPr id="1" name=""/>
-        <p:cNvGrpSpPr/>
-        <p:nvPr/>
-      </p:nvGrpSpPr>
-      <p:grpSpPr>
-        <a:xfrm>
-          <a:off x="0" y="0"/>
-          <a:ext cx="0" cy="0"/>
-          <a:chOff x="0" y="0"/>
-          <a:chExt cx="0" cy="0"/>
-        </a:xfrm>
-      </p:grpSpPr>
-      <p:sp>
-        <p:nvSpPr>
-          <p:cNvPr id="2" name="제목 1"/>
-          <p:cNvSpPr>
-            <a:spLocks noGrp="1"/>
-          </p:cNvSpPr>
-          <p:nvPr>
-            <p:ph type="title" idx="0"/>
-          </p:nvPr>
-        </p:nvSpPr>
-        <p:spPr/>
-        <p:txBody>
-          <a:bodyPr/>
-          <a:lstStyle/>
-          <a:p>
-            <a:pPr lvl="0">
-              <a:defRPr/>
-            </a:pPr>
-            <a:r>
-              <a:rPr lang="ko-KR" altLang="en-US">
-                <a:ea typeface="맑은 고딕"/>
-              </a:rPr>
-              <a:t>문제점</a:t>
-            </a:r>
-            <a:endParaRPr lang="ko-KR" altLang="en-US">
-              <a:ea typeface="맑은 고딕"/>
-            </a:endParaRPr>
-          </a:p>
-        </p:txBody>
-      </p:sp>
-      <p:sp>
-        <p:nvSpPr>
-          <p:cNvPr id="3" name="내용 개체 틀 2"/>
-          <p:cNvSpPr>
-            <a:spLocks noGrp="1"/>
-          </p:cNvSpPr>
-          <p:nvPr>
-            <p:ph sz="half" idx="1"/>
-          </p:nvPr>
-        </p:nvSpPr>
-        <p:spPr>
-          <a:xfrm>
-            <a:off x="838200" y="1825625"/>
-            <a:ext cx="10554942" cy="4351338"/>
-          </a:xfrm>
-        </p:spPr>
-        <p:txBody>
-          <a:bodyPr/>
-          <a:lstStyle/>
-          <a:p>
-            <a:pPr lvl="0">
-              <a:defRPr/>
-            </a:pPr>
-            <a:r>
-              <a:rPr lang="ko-KR" altLang="en-US"/>
-              <a:t>그러나 정확도 </a:t>
-            </a:r>
-            <a:r>
-              <a:rPr lang="en-US" altLang="ko-KR"/>
-              <a:t>94</a:t>
-            </a:r>
-            <a:r>
-              <a:rPr lang="ko-KR" altLang="en-US"/>
-              <a:t>퍼센트에서 더이상 진전의 기미가 보이질 않음</a:t>
-            </a:r>
-            <a:endParaRPr lang="ko-KR" altLang="en-US"/>
-          </a:p>
-          <a:p>
-            <a:pPr lvl="0">
-              <a:defRPr/>
-            </a:pPr>
-            <a:endParaRPr lang="ko-KR" altLang="en-US"/>
-          </a:p>
-        </p:txBody>
-      </p:sp>
-    </p:spTree>
-  </p:cSld>
-  <p:clrMapOvr>
-    <a:masterClrMapping/>
-  </p:clrMapOvr>
-  <mc:AlternateContent xmlns:mc="http://schemas.openxmlformats.org/markup-compatibility/2006">
-    <mc:Choice xmlns:p14="http://schemas.microsoft.com/office/powerpoint/2010/main" Requires="p14">
-      <p:transition xmlns:mc="http://schemas.openxmlformats.org/markup-compatibility/2006" xmlns:p14="http://schemas.microsoft.com/office/powerpoint/2010/main" mc:Ignorable="p14" p14:dur="500"/>
-    </mc:Choice>
-    <mc:Fallback>
-      <p:transition/>
-    </mc:Fallback>
-  </mc:AlternateContent>
-</p:sld>
-</file>
-
-<file path=ppt/slides/slide9.xml><?xml version="1.0" encoding="utf-8"?>
-<p:sld xmlns:r="http://schemas.openxmlformats.org/officeDocument/2006/relationships" xmlns:c="http://schemas.openxmlformats.org/drawingml/2006/chart" xmlns:a="http://schemas.openxmlformats.org/drawingml/2006/main" xmlns:dgm="http://schemas.openxmlformats.org/drawingml/2006/diagram" xmlns:dsp="http://schemas.microsoft.com/office/drawing/2008/diagram" xmlns:p="http://schemas.openxmlformats.org/presentationml/2006/main">
-  <p:cSld>
-    <p:spTree>
-      <p:nvGrpSpPr>
-        <p:cNvPr id="1" name=""/>
-        <p:cNvGrpSpPr/>
-        <p:nvPr/>
-      </p:nvGrpSpPr>
-      <p:grpSpPr>
-        <a:xfrm>
-          <a:off x="0" y="0"/>
-          <a:ext cx="0" cy="0"/>
-          <a:chOff x="0" y="0"/>
-          <a:chExt cx="0" cy="0"/>
-        </a:xfrm>
-      </p:grpSpPr>
-      <p:sp>
-        <p:nvSpPr>
-          <p:cNvPr id="2" name="제목 1"/>
-          <p:cNvSpPr>
-            <a:spLocks noGrp="1"/>
-          </p:cNvSpPr>
-          <p:nvPr>
-            <p:ph type="title" idx="0"/>
-          </p:nvPr>
-        </p:nvSpPr>
-        <p:spPr/>
-        <p:txBody>
-          <a:bodyPr/>
-          <a:lstStyle/>
-          <a:p>
-            <a:pPr>
-              <a:defRPr/>
-            </a:pPr>
-            <a:r>
-              <a:rPr lang="ko-KR" altLang="en-US"/>
-              <a:t>의문</a:t>
-            </a:r>
-            <a:endParaRPr lang="ko-KR" altLang="en-US"/>
-          </a:p>
-        </p:txBody>
-      </p:sp>
-      <p:pic>
-        <p:nvPicPr>
-          <p:cNvPr id="7" name=""/>
-          <p:cNvPicPr>
-            <a:picLocks noChangeAspect="1"/>
-          </p:cNvPicPr>
-          <p:nvPr/>
-        </p:nvPicPr>
-        <p:blipFill rotWithShape="1">
-          <a:blip r:embed="rId2"/>
-          <a:stretch>
-            <a:fillRect/>
-          </a:stretch>
-        </p:blipFill>
-        <p:spPr>
-          <a:xfrm>
-            <a:off x="1524886" y="1663674"/>
-            <a:ext cx="3351602" cy="4545611"/>
-          </a:xfrm>
-          <a:prstGeom prst="rect">
-            <a:avLst/>
-          </a:prstGeom>
-        </p:spPr>
-      </p:pic>
-      <p:pic>
-        <p:nvPicPr>
-          <p:cNvPr id="8" name=""/>
-          <p:cNvPicPr>
-            <a:picLocks noChangeAspect="1"/>
-          </p:cNvPicPr>
-          <p:nvPr/>
-        </p:nvPicPr>
-        <p:blipFill rotWithShape="1">
-          <a:blip r:embed="rId3"/>
-          <a:stretch>
-            <a:fillRect/>
-          </a:stretch>
-        </p:blipFill>
-        <p:spPr>
-          <a:xfrm>
-            <a:off x="6594735" y="2276398"/>
-            <a:ext cx="3530808" cy="3365301"/>
           </a:xfrm>
           <a:prstGeom prst="rect">
             <a:avLst/>
